--- a/15.pptx
+++ b/15.pptx
@@ -210,7 +210,7 @@
           <a:p>
             <a:fld id="{AA93C23F-80D8-41F7-A602-5BAA4D96D6F7}" type="datetimeFigureOut">
               <a:rPr lang="ko-KR" altLang="en-US" smtClean="0"/>
-              <a:t>2019-12-23</a:t>
+              <a:t>2025-03-15</a:t>
             </a:fld>
             <a:endParaRPr lang="ko-KR" altLang="en-US"/>
           </a:p>
@@ -1000,7 +1000,7 @@
           <a:p>
             <a:fld id="{AA93C23F-80D8-41F7-A602-5BAA4D96D6F7}" type="datetimeFigureOut">
               <a:rPr lang="ko-KR" altLang="en-US" smtClean="0"/>
-              <a:t>2019-12-23</a:t>
+              <a:t>2025-03-15</a:t>
             </a:fld>
             <a:endParaRPr lang="ko-KR" altLang="en-US"/>
           </a:p>
@@ -1168,7 +1168,7 @@
           <a:p>
             <a:fld id="{AA93C23F-80D8-41F7-A602-5BAA4D96D6F7}" type="datetimeFigureOut">
               <a:rPr lang="ko-KR" altLang="en-US" smtClean="0"/>
-              <a:t>2019-12-23</a:t>
+              <a:t>2025-03-15</a:t>
             </a:fld>
             <a:endParaRPr lang="ko-KR" altLang="en-US"/>
           </a:p>
@@ -1346,7 +1346,7 @@
           <a:p>
             <a:fld id="{AA93C23F-80D8-41F7-A602-5BAA4D96D6F7}" type="datetimeFigureOut">
               <a:rPr lang="ko-KR" altLang="en-US" smtClean="0"/>
-              <a:t>2019-12-23</a:t>
+              <a:t>2025-03-15</a:t>
             </a:fld>
             <a:endParaRPr lang="ko-KR" altLang="en-US"/>
           </a:p>
@@ -1530,7 +1530,7 @@
           <a:p>
             <a:fld id="{AA93C23F-80D8-41F7-A602-5BAA4D96D6F7}" type="datetimeFigureOut">
               <a:rPr lang="ko-KR" altLang="en-US" smtClean="0"/>
-              <a:t>2019-12-23</a:t>
+              <a:t>2025-03-15</a:t>
             </a:fld>
             <a:endParaRPr lang="ko-KR" altLang="en-US"/>
           </a:p>
@@ -1775,7 +1775,7 @@
           <a:p>
             <a:fld id="{AA93C23F-80D8-41F7-A602-5BAA4D96D6F7}" type="datetimeFigureOut">
               <a:rPr lang="ko-KR" altLang="en-US" smtClean="0"/>
-              <a:t>2019-12-23</a:t>
+              <a:t>2025-03-15</a:t>
             </a:fld>
             <a:endParaRPr lang="ko-KR" altLang="en-US"/>
           </a:p>
@@ -2004,7 +2004,7 @@
           <a:p>
             <a:fld id="{AA93C23F-80D8-41F7-A602-5BAA4D96D6F7}" type="datetimeFigureOut">
               <a:rPr lang="ko-KR" altLang="en-US" smtClean="0"/>
-              <a:t>2019-12-23</a:t>
+              <a:t>2025-03-15</a:t>
             </a:fld>
             <a:endParaRPr lang="ko-KR" altLang="en-US"/>
           </a:p>
@@ -2368,7 +2368,7 @@
           <a:p>
             <a:fld id="{AA93C23F-80D8-41F7-A602-5BAA4D96D6F7}" type="datetimeFigureOut">
               <a:rPr lang="ko-KR" altLang="en-US" smtClean="0"/>
-              <a:t>2019-12-23</a:t>
+              <a:t>2025-03-15</a:t>
             </a:fld>
             <a:endParaRPr lang="ko-KR" altLang="en-US"/>
           </a:p>
@@ -2485,7 +2485,7 @@
           <a:p>
             <a:fld id="{AA93C23F-80D8-41F7-A602-5BAA4D96D6F7}" type="datetimeFigureOut">
               <a:rPr lang="ko-KR" altLang="en-US" smtClean="0"/>
-              <a:t>2019-12-23</a:t>
+              <a:t>2025-03-15</a:t>
             </a:fld>
             <a:endParaRPr lang="ko-KR" altLang="en-US"/>
           </a:p>
@@ -2759,7 +2759,7 @@
                 <a:tabLst/>
                 <a:defRPr/>
               </a:pPr>
-              <a:t>2019-12-23</a:t>
+              <a:t>2025-03-15</a:t>
             </a:fld>
             <a:endParaRPr kumimoji="0" lang="ko-KR" altLang="en-US" sz="1200" b="0" i="0" u="none" strike="noStrike" kern="1200" cap="none" spc="0" normalizeH="0" baseline="0" noProof="0">
               <a:ln>
@@ -2977,7 +2977,7 @@
           <a:p>
             <a:fld id="{AA93C23F-80D8-41F7-A602-5BAA4D96D6F7}" type="datetimeFigureOut">
               <a:rPr lang="ko-KR" altLang="en-US" smtClean="0"/>
-              <a:t>2019-12-23</a:t>
+              <a:t>2025-03-15</a:t>
             </a:fld>
             <a:endParaRPr lang="ko-KR" altLang="en-US"/>
           </a:p>
@@ -3252,7 +3252,7 @@
           <a:p>
             <a:fld id="{AA93C23F-80D8-41F7-A602-5BAA4D96D6F7}" type="datetimeFigureOut">
               <a:rPr lang="ko-KR" altLang="en-US" smtClean="0"/>
-              <a:t>2019-12-23</a:t>
+              <a:t>2025-03-15</a:t>
             </a:fld>
             <a:endParaRPr lang="ko-KR" altLang="en-US"/>
           </a:p>
@@ -3463,7 +3463,7 @@
           <a:p>
             <a:fld id="{AA93C23F-80D8-41F7-A602-5BAA4D96D6F7}" type="datetimeFigureOut">
               <a:rPr lang="ko-KR" altLang="en-US" smtClean="0"/>
-              <a:t>2019-12-23</a:t>
+              <a:t>2025-03-15</a:t>
             </a:fld>
             <a:endParaRPr lang="ko-KR" altLang="en-US"/>
           </a:p>
@@ -4618,6 +4618,139 @@
           </a:prstGeom>
         </p:spPr>
       </p:pic>
+      <p:sp>
+        <p:nvSpPr>
+          <p:cNvPr id="9" name="TextBox 12">
+            <a:extLst>
+              <a:ext uri="{FF2B5EF4-FFF2-40B4-BE49-F238E27FC236}">
+                <a16:creationId xmlns:a16="http://schemas.microsoft.com/office/drawing/2014/main" id="{83043196-ECF4-4710-AFAC-D257393C0816}"/>
+              </a:ext>
+            </a:extLst>
+          </p:cNvPr>
+          <p:cNvSpPr txBox="1"/>
+          <p:nvPr/>
+        </p:nvSpPr>
+        <p:spPr>
+          <a:xfrm>
+            <a:off x="10682853" y="410360"/>
+            <a:ext cx="607859" cy="307777"/>
+          </a:xfrm>
+          <a:prstGeom prst="rect">
+            <a:avLst/>
+          </a:prstGeom>
+          <a:noFill/>
+        </p:spPr>
+        <p:txBody>
+          <a:bodyPr wrap="none" rtlCol="0">
+            <a:spAutoFit/>
+          </a:bodyPr>
+          <a:lstStyle>
+            <a:defPPr>
+              <a:defRPr lang="ko-KR"/>
+            </a:defPPr>
+            <a:lvl1pPr marL="0" algn="l" defTabSz="914400" rtl="0" eaLnBrk="1" latinLnBrk="1" hangingPunct="1">
+              <a:defRPr sz="1800" kern="1200">
+                <a:solidFill>
+                  <a:schemeClr val="tx1"/>
+                </a:solidFill>
+                <a:latin typeface="+mn-lt"/>
+                <a:ea typeface="+mn-ea"/>
+                <a:cs typeface="+mn-cs"/>
+              </a:defRPr>
+            </a:lvl1pPr>
+            <a:lvl2pPr marL="457200" algn="l" defTabSz="914400" rtl="0" eaLnBrk="1" latinLnBrk="1" hangingPunct="1">
+              <a:defRPr sz="1800" kern="1200">
+                <a:solidFill>
+                  <a:schemeClr val="tx1"/>
+                </a:solidFill>
+                <a:latin typeface="+mn-lt"/>
+                <a:ea typeface="+mn-ea"/>
+                <a:cs typeface="+mn-cs"/>
+              </a:defRPr>
+            </a:lvl2pPr>
+            <a:lvl3pPr marL="914400" algn="l" defTabSz="914400" rtl="0" eaLnBrk="1" latinLnBrk="1" hangingPunct="1">
+              <a:defRPr sz="1800" kern="1200">
+                <a:solidFill>
+                  <a:schemeClr val="tx1"/>
+                </a:solidFill>
+                <a:latin typeface="+mn-lt"/>
+                <a:ea typeface="+mn-ea"/>
+                <a:cs typeface="+mn-cs"/>
+              </a:defRPr>
+            </a:lvl3pPr>
+            <a:lvl4pPr marL="1371600" algn="l" defTabSz="914400" rtl="0" eaLnBrk="1" latinLnBrk="1" hangingPunct="1">
+              <a:defRPr sz="1800" kern="1200">
+                <a:solidFill>
+                  <a:schemeClr val="tx1"/>
+                </a:solidFill>
+                <a:latin typeface="+mn-lt"/>
+                <a:ea typeface="+mn-ea"/>
+                <a:cs typeface="+mn-cs"/>
+              </a:defRPr>
+            </a:lvl4pPr>
+            <a:lvl5pPr marL="1828800" algn="l" defTabSz="914400" rtl="0" eaLnBrk="1" latinLnBrk="1" hangingPunct="1">
+              <a:defRPr sz="1800" kern="1200">
+                <a:solidFill>
+                  <a:schemeClr val="tx1"/>
+                </a:solidFill>
+                <a:latin typeface="+mn-lt"/>
+                <a:ea typeface="+mn-ea"/>
+                <a:cs typeface="+mn-cs"/>
+              </a:defRPr>
+            </a:lvl5pPr>
+            <a:lvl6pPr marL="2286000" algn="l" defTabSz="914400" rtl="0" eaLnBrk="1" latinLnBrk="1" hangingPunct="1">
+              <a:defRPr sz="1800" kern="1200">
+                <a:solidFill>
+                  <a:schemeClr val="tx1"/>
+                </a:solidFill>
+                <a:latin typeface="+mn-lt"/>
+                <a:ea typeface="+mn-ea"/>
+                <a:cs typeface="+mn-cs"/>
+              </a:defRPr>
+            </a:lvl6pPr>
+            <a:lvl7pPr marL="2743200" algn="l" defTabSz="914400" rtl="0" eaLnBrk="1" latinLnBrk="1" hangingPunct="1">
+              <a:defRPr sz="1800" kern="1200">
+                <a:solidFill>
+                  <a:schemeClr val="tx1"/>
+                </a:solidFill>
+                <a:latin typeface="+mn-lt"/>
+                <a:ea typeface="+mn-ea"/>
+                <a:cs typeface="+mn-cs"/>
+              </a:defRPr>
+            </a:lvl7pPr>
+            <a:lvl8pPr marL="3200400" algn="l" defTabSz="914400" rtl="0" eaLnBrk="1" latinLnBrk="1" hangingPunct="1">
+              <a:defRPr sz="1800" kern="1200">
+                <a:solidFill>
+                  <a:schemeClr val="tx1"/>
+                </a:solidFill>
+                <a:latin typeface="+mn-lt"/>
+                <a:ea typeface="+mn-ea"/>
+                <a:cs typeface="+mn-cs"/>
+              </a:defRPr>
+            </a:lvl8pPr>
+            <a:lvl9pPr marL="3657600" algn="l" defTabSz="914400" rtl="0" eaLnBrk="1" latinLnBrk="1" hangingPunct="1">
+              <a:defRPr sz="1800" kern="1200">
+                <a:solidFill>
+                  <a:schemeClr val="tx1"/>
+                </a:solidFill>
+                <a:latin typeface="+mn-lt"/>
+                <a:ea typeface="+mn-ea"/>
+                <a:cs typeface="+mn-cs"/>
+              </a:defRPr>
+            </a:lvl9pPr>
+          </a:lstStyle>
+          <a:p>
+            <a:r>
+              <a:rPr lang="en-US" altLang="ko-KR" sz="1400" b="1" dirty="0">
+                <a:solidFill>
+                  <a:schemeClr val="bg1"/>
+                </a:solidFill>
+              </a:rPr>
+              <a:t>P524</a:t>
+            </a:r>
+          </a:p>
+        </p:txBody>
+      </p:sp>
     </p:spTree>
     <p:extLst>
       <p:ext uri="{BB962C8B-B14F-4D97-AF65-F5344CB8AC3E}">
@@ -4959,6 +5092,139 @@
           </a:prstGeom>
         </p:spPr>
       </p:pic>
+      <p:sp>
+        <p:nvSpPr>
+          <p:cNvPr id="11" name="TextBox 12">
+            <a:extLst>
+              <a:ext uri="{FF2B5EF4-FFF2-40B4-BE49-F238E27FC236}">
+                <a16:creationId xmlns:a16="http://schemas.microsoft.com/office/drawing/2014/main" id="{E4BBBA15-74F7-4D2D-98FE-D675E4968377}"/>
+              </a:ext>
+            </a:extLst>
+          </p:cNvPr>
+          <p:cNvSpPr txBox="1"/>
+          <p:nvPr/>
+        </p:nvSpPr>
+        <p:spPr>
+          <a:xfrm>
+            <a:off x="10682853" y="410360"/>
+            <a:ext cx="607859" cy="307777"/>
+          </a:xfrm>
+          <a:prstGeom prst="rect">
+            <a:avLst/>
+          </a:prstGeom>
+          <a:noFill/>
+        </p:spPr>
+        <p:txBody>
+          <a:bodyPr wrap="none" rtlCol="0">
+            <a:spAutoFit/>
+          </a:bodyPr>
+          <a:lstStyle>
+            <a:defPPr>
+              <a:defRPr lang="ko-KR"/>
+            </a:defPPr>
+            <a:lvl1pPr marL="0" algn="l" defTabSz="914400" rtl="0" eaLnBrk="1" latinLnBrk="1" hangingPunct="1">
+              <a:defRPr sz="1800" kern="1200">
+                <a:solidFill>
+                  <a:schemeClr val="tx1"/>
+                </a:solidFill>
+                <a:latin typeface="+mn-lt"/>
+                <a:ea typeface="+mn-ea"/>
+                <a:cs typeface="+mn-cs"/>
+              </a:defRPr>
+            </a:lvl1pPr>
+            <a:lvl2pPr marL="457200" algn="l" defTabSz="914400" rtl="0" eaLnBrk="1" latinLnBrk="1" hangingPunct="1">
+              <a:defRPr sz="1800" kern="1200">
+                <a:solidFill>
+                  <a:schemeClr val="tx1"/>
+                </a:solidFill>
+                <a:latin typeface="+mn-lt"/>
+                <a:ea typeface="+mn-ea"/>
+                <a:cs typeface="+mn-cs"/>
+              </a:defRPr>
+            </a:lvl2pPr>
+            <a:lvl3pPr marL="914400" algn="l" defTabSz="914400" rtl="0" eaLnBrk="1" latinLnBrk="1" hangingPunct="1">
+              <a:defRPr sz="1800" kern="1200">
+                <a:solidFill>
+                  <a:schemeClr val="tx1"/>
+                </a:solidFill>
+                <a:latin typeface="+mn-lt"/>
+                <a:ea typeface="+mn-ea"/>
+                <a:cs typeface="+mn-cs"/>
+              </a:defRPr>
+            </a:lvl3pPr>
+            <a:lvl4pPr marL="1371600" algn="l" defTabSz="914400" rtl="0" eaLnBrk="1" latinLnBrk="1" hangingPunct="1">
+              <a:defRPr sz="1800" kern="1200">
+                <a:solidFill>
+                  <a:schemeClr val="tx1"/>
+                </a:solidFill>
+                <a:latin typeface="+mn-lt"/>
+                <a:ea typeface="+mn-ea"/>
+                <a:cs typeface="+mn-cs"/>
+              </a:defRPr>
+            </a:lvl4pPr>
+            <a:lvl5pPr marL="1828800" algn="l" defTabSz="914400" rtl="0" eaLnBrk="1" latinLnBrk="1" hangingPunct="1">
+              <a:defRPr sz="1800" kern="1200">
+                <a:solidFill>
+                  <a:schemeClr val="tx1"/>
+                </a:solidFill>
+                <a:latin typeface="+mn-lt"/>
+                <a:ea typeface="+mn-ea"/>
+                <a:cs typeface="+mn-cs"/>
+              </a:defRPr>
+            </a:lvl5pPr>
+            <a:lvl6pPr marL="2286000" algn="l" defTabSz="914400" rtl="0" eaLnBrk="1" latinLnBrk="1" hangingPunct="1">
+              <a:defRPr sz="1800" kern="1200">
+                <a:solidFill>
+                  <a:schemeClr val="tx1"/>
+                </a:solidFill>
+                <a:latin typeface="+mn-lt"/>
+                <a:ea typeface="+mn-ea"/>
+                <a:cs typeface="+mn-cs"/>
+              </a:defRPr>
+            </a:lvl6pPr>
+            <a:lvl7pPr marL="2743200" algn="l" defTabSz="914400" rtl="0" eaLnBrk="1" latinLnBrk="1" hangingPunct="1">
+              <a:defRPr sz="1800" kern="1200">
+                <a:solidFill>
+                  <a:schemeClr val="tx1"/>
+                </a:solidFill>
+                <a:latin typeface="+mn-lt"/>
+                <a:ea typeface="+mn-ea"/>
+                <a:cs typeface="+mn-cs"/>
+              </a:defRPr>
+            </a:lvl7pPr>
+            <a:lvl8pPr marL="3200400" algn="l" defTabSz="914400" rtl="0" eaLnBrk="1" latinLnBrk="1" hangingPunct="1">
+              <a:defRPr sz="1800" kern="1200">
+                <a:solidFill>
+                  <a:schemeClr val="tx1"/>
+                </a:solidFill>
+                <a:latin typeface="+mn-lt"/>
+                <a:ea typeface="+mn-ea"/>
+                <a:cs typeface="+mn-cs"/>
+              </a:defRPr>
+            </a:lvl8pPr>
+            <a:lvl9pPr marL="3657600" algn="l" defTabSz="914400" rtl="0" eaLnBrk="1" latinLnBrk="1" hangingPunct="1">
+              <a:defRPr sz="1800" kern="1200">
+                <a:solidFill>
+                  <a:schemeClr val="tx1"/>
+                </a:solidFill>
+                <a:latin typeface="+mn-lt"/>
+                <a:ea typeface="+mn-ea"/>
+                <a:cs typeface="+mn-cs"/>
+              </a:defRPr>
+            </a:lvl9pPr>
+          </a:lstStyle>
+          <a:p>
+            <a:r>
+              <a:rPr lang="en-US" altLang="ko-KR" sz="1400" b="1" dirty="0">
+                <a:solidFill>
+                  <a:schemeClr val="bg1"/>
+                </a:solidFill>
+              </a:rPr>
+              <a:t>P526</a:t>
+            </a:r>
+          </a:p>
+        </p:txBody>
+      </p:sp>
     </p:spTree>
     <p:extLst>
       <p:ext uri="{BB962C8B-B14F-4D97-AF65-F5344CB8AC3E}">
@@ -5153,6 +5419,139 @@
           </a:prstGeom>
         </p:spPr>
       </p:pic>
+      <p:sp>
+        <p:nvSpPr>
+          <p:cNvPr id="6" name="TextBox 12">
+            <a:extLst>
+              <a:ext uri="{FF2B5EF4-FFF2-40B4-BE49-F238E27FC236}">
+                <a16:creationId xmlns:a16="http://schemas.microsoft.com/office/drawing/2014/main" id="{FA6C602C-323A-4C2D-92B8-053B223D2A54}"/>
+              </a:ext>
+            </a:extLst>
+          </p:cNvPr>
+          <p:cNvSpPr txBox="1"/>
+          <p:nvPr/>
+        </p:nvSpPr>
+        <p:spPr>
+          <a:xfrm>
+            <a:off x="10682853" y="410360"/>
+            <a:ext cx="607859" cy="307777"/>
+          </a:xfrm>
+          <a:prstGeom prst="rect">
+            <a:avLst/>
+          </a:prstGeom>
+          <a:noFill/>
+        </p:spPr>
+        <p:txBody>
+          <a:bodyPr wrap="none" rtlCol="0">
+            <a:spAutoFit/>
+          </a:bodyPr>
+          <a:lstStyle>
+            <a:defPPr>
+              <a:defRPr lang="ko-KR"/>
+            </a:defPPr>
+            <a:lvl1pPr marL="0" algn="l" defTabSz="914400" rtl="0" eaLnBrk="1" latinLnBrk="1" hangingPunct="1">
+              <a:defRPr sz="1800" kern="1200">
+                <a:solidFill>
+                  <a:schemeClr val="tx1"/>
+                </a:solidFill>
+                <a:latin typeface="+mn-lt"/>
+                <a:ea typeface="+mn-ea"/>
+                <a:cs typeface="+mn-cs"/>
+              </a:defRPr>
+            </a:lvl1pPr>
+            <a:lvl2pPr marL="457200" algn="l" defTabSz="914400" rtl="0" eaLnBrk="1" latinLnBrk="1" hangingPunct="1">
+              <a:defRPr sz="1800" kern="1200">
+                <a:solidFill>
+                  <a:schemeClr val="tx1"/>
+                </a:solidFill>
+                <a:latin typeface="+mn-lt"/>
+                <a:ea typeface="+mn-ea"/>
+                <a:cs typeface="+mn-cs"/>
+              </a:defRPr>
+            </a:lvl2pPr>
+            <a:lvl3pPr marL="914400" algn="l" defTabSz="914400" rtl="0" eaLnBrk="1" latinLnBrk="1" hangingPunct="1">
+              <a:defRPr sz="1800" kern="1200">
+                <a:solidFill>
+                  <a:schemeClr val="tx1"/>
+                </a:solidFill>
+                <a:latin typeface="+mn-lt"/>
+                <a:ea typeface="+mn-ea"/>
+                <a:cs typeface="+mn-cs"/>
+              </a:defRPr>
+            </a:lvl3pPr>
+            <a:lvl4pPr marL="1371600" algn="l" defTabSz="914400" rtl="0" eaLnBrk="1" latinLnBrk="1" hangingPunct="1">
+              <a:defRPr sz="1800" kern="1200">
+                <a:solidFill>
+                  <a:schemeClr val="tx1"/>
+                </a:solidFill>
+                <a:latin typeface="+mn-lt"/>
+                <a:ea typeface="+mn-ea"/>
+                <a:cs typeface="+mn-cs"/>
+              </a:defRPr>
+            </a:lvl4pPr>
+            <a:lvl5pPr marL="1828800" algn="l" defTabSz="914400" rtl="0" eaLnBrk="1" latinLnBrk="1" hangingPunct="1">
+              <a:defRPr sz="1800" kern="1200">
+                <a:solidFill>
+                  <a:schemeClr val="tx1"/>
+                </a:solidFill>
+                <a:latin typeface="+mn-lt"/>
+                <a:ea typeface="+mn-ea"/>
+                <a:cs typeface="+mn-cs"/>
+              </a:defRPr>
+            </a:lvl5pPr>
+            <a:lvl6pPr marL="2286000" algn="l" defTabSz="914400" rtl="0" eaLnBrk="1" latinLnBrk="1" hangingPunct="1">
+              <a:defRPr sz="1800" kern="1200">
+                <a:solidFill>
+                  <a:schemeClr val="tx1"/>
+                </a:solidFill>
+                <a:latin typeface="+mn-lt"/>
+                <a:ea typeface="+mn-ea"/>
+                <a:cs typeface="+mn-cs"/>
+              </a:defRPr>
+            </a:lvl6pPr>
+            <a:lvl7pPr marL="2743200" algn="l" defTabSz="914400" rtl="0" eaLnBrk="1" latinLnBrk="1" hangingPunct="1">
+              <a:defRPr sz="1800" kern="1200">
+                <a:solidFill>
+                  <a:schemeClr val="tx1"/>
+                </a:solidFill>
+                <a:latin typeface="+mn-lt"/>
+                <a:ea typeface="+mn-ea"/>
+                <a:cs typeface="+mn-cs"/>
+              </a:defRPr>
+            </a:lvl7pPr>
+            <a:lvl8pPr marL="3200400" algn="l" defTabSz="914400" rtl="0" eaLnBrk="1" latinLnBrk="1" hangingPunct="1">
+              <a:defRPr sz="1800" kern="1200">
+                <a:solidFill>
+                  <a:schemeClr val="tx1"/>
+                </a:solidFill>
+                <a:latin typeface="+mn-lt"/>
+                <a:ea typeface="+mn-ea"/>
+                <a:cs typeface="+mn-cs"/>
+              </a:defRPr>
+            </a:lvl8pPr>
+            <a:lvl9pPr marL="3657600" algn="l" defTabSz="914400" rtl="0" eaLnBrk="1" latinLnBrk="1" hangingPunct="1">
+              <a:defRPr sz="1800" kern="1200">
+                <a:solidFill>
+                  <a:schemeClr val="tx1"/>
+                </a:solidFill>
+                <a:latin typeface="+mn-lt"/>
+                <a:ea typeface="+mn-ea"/>
+                <a:cs typeface="+mn-cs"/>
+              </a:defRPr>
+            </a:lvl9pPr>
+          </a:lstStyle>
+          <a:p>
+            <a:r>
+              <a:rPr lang="en-US" altLang="ko-KR" sz="1400" b="1" dirty="0">
+                <a:solidFill>
+                  <a:schemeClr val="bg1"/>
+                </a:solidFill>
+              </a:rPr>
+              <a:t>P529</a:t>
+            </a:r>
+          </a:p>
+        </p:txBody>
+      </p:sp>
     </p:spTree>
     <p:extLst>
       <p:ext uri="{BB962C8B-B14F-4D97-AF65-F5344CB8AC3E}">
@@ -5344,6 +5743,139 @@
           </a:prstGeom>
         </p:spPr>
       </p:pic>
+      <p:sp>
+        <p:nvSpPr>
+          <p:cNvPr id="6" name="TextBox 12">
+            <a:extLst>
+              <a:ext uri="{FF2B5EF4-FFF2-40B4-BE49-F238E27FC236}">
+                <a16:creationId xmlns:a16="http://schemas.microsoft.com/office/drawing/2014/main" id="{540B1418-E605-4526-BB0B-D1AF34FB0812}"/>
+              </a:ext>
+            </a:extLst>
+          </p:cNvPr>
+          <p:cNvSpPr txBox="1"/>
+          <p:nvPr/>
+        </p:nvSpPr>
+        <p:spPr>
+          <a:xfrm>
+            <a:off x="10682853" y="410360"/>
+            <a:ext cx="607859" cy="307777"/>
+          </a:xfrm>
+          <a:prstGeom prst="rect">
+            <a:avLst/>
+          </a:prstGeom>
+          <a:noFill/>
+        </p:spPr>
+        <p:txBody>
+          <a:bodyPr wrap="none" rtlCol="0">
+            <a:spAutoFit/>
+          </a:bodyPr>
+          <a:lstStyle>
+            <a:defPPr>
+              <a:defRPr lang="ko-KR"/>
+            </a:defPPr>
+            <a:lvl1pPr marL="0" algn="l" defTabSz="914400" rtl="0" eaLnBrk="1" latinLnBrk="1" hangingPunct="1">
+              <a:defRPr sz="1800" kern="1200">
+                <a:solidFill>
+                  <a:schemeClr val="tx1"/>
+                </a:solidFill>
+                <a:latin typeface="+mn-lt"/>
+                <a:ea typeface="+mn-ea"/>
+                <a:cs typeface="+mn-cs"/>
+              </a:defRPr>
+            </a:lvl1pPr>
+            <a:lvl2pPr marL="457200" algn="l" defTabSz="914400" rtl="0" eaLnBrk="1" latinLnBrk="1" hangingPunct="1">
+              <a:defRPr sz="1800" kern="1200">
+                <a:solidFill>
+                  <a:schemeClr val="tx1"/>
+                </a:solidFill>
+                <a:latin typeface="+mn-lt"/>
+                <a:ea typeface="+mn-ea"/>
+                <a:cs typeface="+mn-cs"/>
+              </a:defRPr>
+            </a:lvl2pPr>
+            <a:lvl3pPr marL="914400" algn="l" defTabSz="914400" rtl="0" eaLnBrk="1" latinLnBrk="1" hangingPunct="1">
+              <a:defRPr sz="1800" kern="1200">
+                <a:solidFill>
+                  <a:schemeClr val="tx1"/>
+                </a:solidFill>
+                <a:latin typeface="+mn-lt"/>
+                <a:ea typeface="+mn-ea"/>
+                <a:cs typeface="+mn-cs"/>
+              </a:defRPr>
+            </a:lvl3pPr>
+            <a:lvl4pPr marL="1371600" algn="l" defTabSz="914400" rtl="0" eaLnBrk="1" latinLnBrk="1" hangingPunct="1">
+              <a:defRPr sz="1800" kern="1200">
+                <a:solidFill>
+                  <a:schemeClr val="tx1"/>
+                </a:solidFill>
+                <a:latin typeface="+mn-lt"/>
+                <a:ea typeface="+mn-ea"/>
+                <a:cs typeface="+mn-cs"/>
+              </a:defRPr>
+            </a:lvl4pPr>
+            <a:lvl5pPr marL="1828800" algn="l" defTabSz="914400" rtl="0" eaLnBrk="1" latinLnBrk="1" hangingPunct="1">
+              <a:defRPr sz="1800" kern="1200">
+                <a:solidFill>
+                  <a:schemeClr val="tx1"/>
+                </a:solidFill>
+                <a:latin typeface="+mn-lt"/>
+                <a:ea typeface="+mn-ea"/>
+                <a:cs typeface="+mn-cs"/>
+              </a:defRPr>
+            </a:lvl5pPr>
+            <a:lvl6pPr marL="2286000" algn="l" defTabSz="914400" rtl="0" eaLnBrk="1" latinLnBrk="1" hangingPunct="1">
+              <a:defRPr sz="1800" kern="1200">
+                <a:solidFill>
+                  <a:schemeClr val="tx1"/>
+                </a:solidFill>
+                <a:latin typeface="+mn-lt"/>
+                <a:ea typeface="+mn-ea"/>
+                <a:cs typeface="+mn-cs"/>
+              </a:defRPr>
+            </a:lvl6pPr>
+            <a:lvl7pPr marL="2743200" algn="l" defTabSz="914400" rtl="0" eaLnBrk="1" latinLnBrk="1" hangingPunct="1">
+              <a:defRPr sz="1800" kern="1200">
+                <a:solidFill>
+                  <a:schemeClr val="tx1"/>
+                </a:solidFill>
+                <a:latin typeface="+mn-lt"/>
+                <a:ea typeface="+mn-ea"/>
+                <a:cs typeface="+mn-cs"/>
+              </a:defRPr>
+            </a:lvl7pPr>
+            <a:lvl8pPr marL="3200400" algn="l" defTabSz="914400" rtl="0" eaLnBrk="1" latinLnBrk="1" hangingPunct="1">
+              <a:defRPr sz="1800" kern="1200">
+                <a:solidFill>
+                  <a:schemeClr val="tx1"/>
+                </a:solidFill>
+                <a:latin typeface="+mn-lt"/>
+                <a:ea typeface="+mn-ea"/>
+                <a:cs typeface="+mn-cs"/>
+              </a:defRPr>
+            </a:lvl8pPr>
+            <a:lvl9pPr marL="3657600" algn="l" defTabSz="914400" rtl="0" eaLnBrk="1" latinLnBrk="1" hangingPunct="1">
+              <a:defRPr sz="1800" kern="1200">
+                <a:solidFill>
+                  <a:schemeClr val="tx1"/>
+                </a:solidFill>
+                <a:latin typeface="+mn-lt"/>
+                <a:ea typeface="+mn-ea"/>
+                <a:cs typeface="+mn-cs"/>
+              </a:defRPr>
+            </a:lvl9pPr>
+          </a:lstStyle>
+          <a:p>
+            <a:r>
+              <a:rPr lang="en-US" altLang="ko-KR" sz="1400" b="1" dirty="0">
+                <a:solidFill>
+                  <a:schemeClr val="bg1"/>
+                </a:solidFill>
+              </a:rPr>
+              <a:t>P532</a:t>
+            </a:r>
+          </a:p>
+        </p:txBody>
+      </p:sp>
     </p:spTree>
     <p:extLst>
       <p:ext uri="{BB962C8B-B14F-4D97-AF65-F5344CB8AC3E}">
@@ -5535,6 +6067,139 @@
           </a:prstGeom>
         </p:spPr>
       </p:pic>
+      <p:sp>
+        <p:nvSpPr>
+          <p:cNvPr id="7" name="TextBox 12">
+            <a:extLst>
+              <a:ext uri="{FF2B5EF4-FFF2-40B4-BE49-F238E27FC236}">
+                <a16:creationId xmlns:a16="http://schemas.microsoft.com/office/drawing/2014/main" id="{42FDF681-0BB0-4099-8404-F879ED348528}"/>
+              </a:ext>
+            </a:extLst>
+          </p:cNvPr>
+          <p:cNvSpPr txBox="1"/>
+          <p:nvPr/>
+        </p:nvSpPr>
+        <p:spPr>
+          <a:xfrm>
+            <a:off x="10682853" y="410360"/>
+            <a:ext cx="607859" cy="307777"/>
+          </a:xfrm>
+          <a:prstGeom prst="rect">
+            <a:avLst/>
+          </a:prstGeom>
+          <a:noFill/>
+        </p:spPr>
+        <p:txBody>
+          <a:bodyPr wrap="none" rtlCol="0">
+            <a:spAutoFit/>
+          </a:bodyPr>
+          <a:lstStyle>
+            <a:defPPr>
+              <a:defRPr lang="ko-KR"/>
+            </a:defPPr>
+            <a:lvl1pPr marL="0" algn="l" defTabSz="914400" rtl="0" eaLnBrk="1" latinLnBrk="1" hangingPunct="1">
+              <a:defRPr sz="1800" kern="1200">
+                <a:solidFill>
+                  <a:schemeClr val="tx1"/>
+                </a:solidFill>
+                <a:latin typeface="+mn-lt"/>
+                <a:ea typeface="+mn-ea"/>
+                <a:cs typeface="+mn-cs"/>
+              </a:defRPr>
+            </a:lvl1pPr>
+            <a:lvl2pPr marL="457200" algn="l" defTabSz="914400" rtl="0" eaLnBrk="1" latinLnBrk="1" hangingPunct="1">
+              <a:defRPr sz="1800" kern="1200">
+                <a:solidFill>
+                  <a:schemeClr val="tx1"/>
+                </a:solidFill>
+                <a:latin typeface="+mn-lt"/>
+                <a:ea typeface="+mn-ea"/>
+                <a:cs typeface="+mn-cs"/>
+              </a:defRPr>
+            </a:lvl2pPr>
+            <a:lvl3pPr marL="914400" algn="l" defTabSz="914400" rtl="0" eaLnBrk="1" latinLnBrk="1" hangingPunct="1">
+              <a:defRPr sz="1800" kern="1200">
+                <a:solidFill>
+                  <a:schemeClr val="tx1"/>
+                </a:solidFill>
+                <a:latin typeface="+mn-lt"/>
+                <a:ea typeface="+mn-ea"/>
+                <a:cs typeface="+mn-cs"/>
+              </a:defRPr>
+            </a:lvl3pPr>
+            <a:lvl4pPr marL="1371600" algn="l" defTabSz="914400" rtl="0" eaLnBrk="1" latinLnBrk="1" hangingPunct="1">
+              <a:defRPr sz="1800" kern="1200">
+                <a:solidFill>
+                  <a:schemeClr val="tx1"/>
+                </a:solidFill>
+                <a:latin typeface="+mn-lt"/>
+                <a:ea typeface="+mn-ea"/>
+                <a:cs typeface="+mn-cs"/>
+              </a:defRPr>
+            </a:lvl4pPr>
+            <a:lvl5pPr marL="1828800" algn="l" defTabSz="914400" rtl="0" eaLnBrk="1" latinLnBrk="1" hangingPunct="1">
+              <a:defRPr sz="1800" kern="1200">
+                <a:solidFill>
+                  <a:schemeClr val="tx1"/>
+                </a:solidFill>
+                <a:latin typeface="+mn-lt"/>
+                <a:ea typeface="+mn-ea"/>
+                <a:cs typeface="+mn-cs"/>
+              </a:defRPr>
+            </a:lvl5pPr>
+            <a:lvl6pPr marL="2286000" algn="l" defTabSz="914400" rtl="0" eaLnBrk="1" latinLnBrk="1" hangingPunct="1">
+              <a:defRPr sz="1800" kern="1200">
+                <a:solidFill>
+                  <a:schemeClr val="tx1"/>
+                </a:solidFill>
+                <a:latin typeface="+mn-lt"/>
+                <a:ea typeface="+mn-ea"/>
+                <a:cs typeface="+mn-cs"/>
+              </a:defRPr>
+            </a:lvl6pPr>
+            <a:lvl7pPr marL="2743200" algn="l" defTabSz="914400" rtl="0" eaLnBrk="1" latinLnBrk="1" hangingPunct="1">
+              <a:defRPr sz="1800" kern="1200">
+                <a:solidFill>
+                  <a:schemeClr val="tx1"/>
+                </a:solidFill>
+                <a:latin typeface="+mn-lt"/>
+                <a:ea typeface="+mn-ea"/>
+                <a:cs typeface="+mn-cs"/>
+              </a:defRPr>
+            </a:lvl7pPr>
+            <a:lvl8pPr marL="3200400" algn="l" defTabSz="914400" rtl="0" eaLnBrk="1" latinLnBrk="1" hangingPunct="1">
+              <a:defRPr sz="1800" kern="1200">
+                <a:solidFill>
+                  <a:schemeClr val="tx1"/>
+                </a:solidFill>
+                <a:latin typeface="+mn-lt"/>
+                <a:ea typeface="+mn-ea"/>
+                <a:cs typeface="+mn-cs"/>
+              </a:defRPr>
+            </a:lvl8pPr>
+            <a:lvl9pPr marL="3657600" algn="l" defTabSz="914400" rtl="0" eaLnBrk="1" latinLnBrk="1" hangingPunct="1">
+              <a:defRPr sz="1800" kern="1200">
+                <a:solidFill>
+                  <a:schemeClr val="tx1"/>
+                </a:solidFill>
+                <a:latin typeface="+mn-lt"/>
+                <a:ea typeface="+mn-ea"/>
+                <a:cs typeface="+mn-cs"/>
+              </a:defRPr>
+            </a:lvl9pPr>
+          </a:lstStyle>
+          <a:p>
+            <a:r>
+              <a:rPr lang="en-US" altLang="ko-KR" sz="1400" b="1" dirty="0">
+                <a:solidFill>
+                  <a:schemeClr val="bg1"/>
+                </a:solidFill>
+              </a:rPr>
+              <a:t>P534</a:t>
+            </a:r>
+          </a:p>
+        </p:txBody>
+      </p:sp>
     </p:spTree>
     <p:extLst>
       <p:ext uri="{BB962C8B-B14F-4D97-AF65-F5344CB8AC3E}">
@@ -5853,6 +6518,139 @@
           </a:prstGeom>
         </p:spPr>
       </p:pic>
+      <p:sp>
+        <p:nvSpPr>
+          <p:cNvPr id="9" name="TextBox 12">
+            <a:extLst>
+              <a:ext uri="{FF2B5EF4-FFF2-40B4-BE49-F238E27FC236}">
+                <a16:creationId xmlns:a16="http://schemas.microsoft.com/office/drawing/2014/main" id="{1D3D7E29-FDB9-46EB-ACAA-1D19884C63F1}"/>
+              </a:ext>
+            </a:extLst>
+          </p:cNvPr>
+          <p:cNvSpPr txBox="1"/>
+          <p:nvPr/>
+        </p:nvSpPr>
+        <p:spPr>
+          <a:xfrm>
+            <a:off x="10682853" y="410360"/>
+            <a:ext cx="607859" cy="307777"/>
+          </a:xfrm>
+          <a:prstGeom prst="rect">
+            <a:avLst/>
+          </a:prstGeom>
+          <a:noFill/>
+        </p:spPr>
+        <p:txBody>
+          <a:bodyPr wrap="none" rtlCol="0">
+            <a:spAutoFit/>
+          </a:bodyPr>
+          <a:lstStyle>
+            <a:defPPr>
+              <a:defRPr lang="ko-KR"/>
+            </a:defPPr>
+            <a:lvl1pPr marL="0" algn="l" defTabSz="914400" rtl="0" eaLnBrk="1" latinLnBrk="1" hangingPunct="1">
+              <a:defRPr sz="1800" kern="1200">
+                <a:solidFill>
+                  <a:schemeClr val="tx1"/>
+                </a:solidFill>
+                <a:latin typeface="+mn-lt"/>
+                <a:ea typeface="+mn-ea"/>
+                <a:cs typeface="+mn-cs"/>
+              </a:defRPr>
+            </a:lvl1pPr>
+            <a:lvl2pPr marL="457200" algn="l" defTabSz="914400" rtl="0" eaLnBrk="1" latinLnBrk="1" hangingPunct="1">
+              <a:defRPr sz="1800" kern="1200">
+                <a:solidFill>
+                  <a:schemeClr val="tx1"/>
+                </a:solidFill>
+                <a:latin typeface="+mn-lt"/>
+                <a:ea typeface="+mn-ea"/>
+                <a:cs typeface="+mn-cs"/>
+              </a:defRPr>
+            </a:lvl2pPr>
+            <a:lvl3pPr marL="914400" algn="l" defTabSz="914400" rtl="0" eaLnBrk="1" latinLnBrk="1" hangingPunct="1">
+              <a:defRPr sz="1800" kern="1200">
+                <a:solidFill>
+                  <a:schemeClr val="tx1"/>
+                </a:solidFill>
+                <a:latin typeface="+mn-lt"/>
+                <a:ea typeface="+mn-ea"/>
+                <a:cs typeface="+mn-cs"/>
+              </a:defRPr>
+            </a:lvl3pPr>
+            <a:lvl4pPr marL="1371600" algn="l" defTabSz="914400" rtl="0" eaLnBrk="1" latinLnBrk="1" hangingPunct="1">
+              <a:defRPr sz="1800" kern="1200">
+                <a:solidFill>
+                  <a:schemeClr val="tx1"/>
+                </a:solidFill>
+                <a:latin typeface="+mn-lt"/>
+                <a:ea typeface="+mn-ea"/>
+                <a:cs typeface="+mn-cs"/>
+              </a:defRPr>
+            </a:lvl4pPr>
+            <a:lvl5pPr marL="1828800" algn="l" defTabSz="914400" rtl="0" eaLnBrk="1" latinLnBrk="1" hangingPunct="1">
+              <a:defRPr sz="1800" kern="1200">
+                <a:solidFill>
+                  <a:schemeClr val="tx1"/>
+                </a:solidFill>
+                <a:latin typeface="+mn-lt"/>
+                <a:ea typeface="+mn-ea"/>
+                <a:cs typeface="+mn-cs"/>
+              </a:defRPr>
+            </a:lvl5pPr>
+            <a:lvl6pPr marL="2286000" algn="l" defTabSz="914400" rtl="0" eaLnBrk="1" latinLnBrk="1" hangingPunct="1">
+              <a:defRPr sz="1800" kern="1200">
+                <a:solidFill>
+                  <a:schemeClr val="tx1"/>
+                </a:solidFill>
+                <a:latin typeface="+mn-lt"/>
+                <a:ea typeface="+mn-ea"/>
+                <a:cs typeface="+mn-cs"/>
+              </a:defRPr>
+            </a:lvl6pPr>
+            <a:lvl7pPr marL="2743200" algn="l" defTabSz="914400" rtl="0" eaLnBrk="1" latinLnBrk="1" hangingPunct="1">
+              <a:defRPr sz="1800" kern="1200">
+                <a:solidFill>
+                  <a:schemeClr val="tx1"/>
+                </a:solidFill>
+                <a:latin typeface="+mn-lt"/>
+                <a:ea typeface="+mn-ea"/>
+                <a:cs typeface="+mn-cs"/>
+              </a:defRPr>
+            </a:lvl7pPr>
+            <a:lvl8pPr marL="3200400" algn="l" defTabSz="914400" rtl="0" eaLnBrk="1" latinLnBrk="1" hangingPunct="1">
+              <a:defRPr sz="1800" kern="1200">
+                <a:solidFill>
+                  <a:schemeClr val="tx1"/>
+                </a:solidFill>
+                <a:latin typeface="+mn-lt"/>
+                <a:ea typeface="+mn-ea"/>
+                <a:cs typeface="+mn-cs"/>
+              </a:defRPr>
+            </a:lvl8pPr>
+            <a:lvl9pPr marL="3657600" algn="l" defTabSz="914400" rtl="0" eaLnBrk="1" latinLnBrk="1" hangingPunct="1">
+              <a:defRPr sz="1800" kern="1200">
+                <a:solidFill>
+                  <a:schemeClr val="tx1"/>
+                </a:solidFill>
+                <a:latin typeface="+mn-lt"/>
+                <a:ea typeface="+mn-ea"/>
+                <a:cs typeface="+mn-cs"/>
+              </a:defRPr>
+            </a:lvl9pPr>
+          </a:lstStyle>
+          <a:p>
+            <a:r>
+              <a:rPr lang="en-US" altLang="ko-KR" sz="1400" b="1" dirty="0">
+                <a:solidFill>
+                  <a:schemeClr val="bg1"/>
+                </a:solidFill>
+              </a:rPr>
+              <a:t>P512</a:t>
+            </a:r>
+          </a:p>
+        </p:txBody>
+      </p:sp>
     </p:spTree>
     <p:extLst>
       <p:ext uri="{BB962C8B-B14F-4D97-AF65-F5344CB8AC3E}">
@@ -6281,6 +7079,139 @@
           </a:fontRef>
         </p:style>
       </p:cxnSp>
+      <p:sp>
+        <p:nvSpPr>
+          <p:cNvPr id="10" name="TextBox 12">
+            <a:extLst>
+              <a:ext uri="{FF2B5EF4-FFF2-40B4-BE49-F238E27FC236}">
+                <a16:creationId xmlns:a16="http://schemas.microsoft.com/office/drawing/2014/main" id="{A91478C5-67BF-4BDC-A95C-52D47426A395}"/>
+              </a:ext>
+            </a:extLst>
+          </p:cNvPr>
+          <p:cNvSpPr txBox="1"/>
+          <p:nvPr/>
+        </p:nvSpPr>
+        <p:spPr>
+          <a:xfrm>
+            <a:off x="10682853" y="410360"/>
+            <a:ext cx="607859" cy="307777"/>
+          </a:xfrm>
+          <a:prstGeom prst="rect">
+            <a:avLst/>
+          </a:prstGeom>
+          <a:noFill/>
+        </p:spPr>
+        <p:txBody>
+          <a:bodyPr wrap="none" rtlCol="0">
+            <a:spAutoFit/>
+          </a:bodyPr>
+          <a:lstStyle>
+            <a:defPPr>
+              <a:defRPr lang="ko-KR"/>
+            </a:defPPr>
+            <a:lvl1pPr marL="0" algn="l" defTabSz="914400" rtl="0" eaLnBrk="1" latinLnBrk="1" hangingPunct="1">
+              <a:defRPr sz="1800" kern="1200">
+                <a:solidFill>
+                  <a:schemeClr val="tx1"/>
+                </a:solidFill>
+                <a:latin typeface="+mn-lt"/>
+                <a:ea typeface="+mn-ea"/>
+                <a:cs typeface="+mn-cs"/>
+              </a:defRPr>
+            </a:lvl1pPr>
+            <a:lvl2pPr marL="457200" algn="l" defTabSz="914400" rtl="0" eaLnBrk="1" latinLnBrk="1" hangingPunct="1">
+              <a:defRPr sz="1800" kern="1200">
+                <a:solidFill>
+                  <a:schemeClr val="tx1"/>
+                </a:solidFill>
+                <a:latin typeface="+mn-lt"/>
+                <a:ea typeface="+mn-ea"/>
+                <a:cs typeface="+mn-cs"/>
+              </a:defRPr>
+            </a:lvl2pPr>
+            <a:lvl3pPr marL="914400" algn="l" defTabSz="914400" rtl="0" eaLnBrk="1" latinLnBrk="1" hangingPunct="1">
+              <a:defRPr sz="1800" kern="1200">
+                <a:solidFill>
+                  <a:schemeClr val="tx1"/>
+                </a:solidFill>
+                <a:latin typeface="+mn-lt"/>
+                <a:ea typeface="+mn-ea"/>
+                <a:cs typeface="+mn-cs"/>
+              </a:defRPr>
+            </a:lvl3pPr>
+            <a:lvl4pPr marL="1371600" algn="l" defTabSz="914400" rtl="0" eaLnBrk="1" latinLnBrk="1" hangingPunct="1">
+              <a:defRPr sz="1800" kern="1200">
+                <a:solidFill>
+                  <a:schemeClr val="tx1"/>
+                </a:solidFill>
+                <a:latin typeface="+mn-lt"/>
+                <a:ea typeface="+mn-ea"/>
+                <a:cs typeface="+mn-cs"/>
+              </a:defRPr>
+            </a:lvl4pPr>
+            <a:lvl5pPr marL="1828800" algn="l" defTabSz="914400" rtl="0" eaLnBrk="1" latinLnBrk="1" hangingPunct="1">
+              <a:defRPr sz="1800" kern="1200">
+                <a:solidFill>
+                  <a:schemeClr val="tx1"/>
+                </a:solidFill>
+                <a:latin typeface="+mn-lt"/>
+                <a:ea typeface="+mn-ea"/>
+                <a:cs typeface="+mn-cs"/>
+              </a:defRPr>
+            </a:lvl5pPr>
+            <a:lvl6pPr marL="2286000" algn="l" defTabSz="914400" rtl="0" eaLnBrk="1" latinLnBrk="1" hangingPunct="1">
+              <a:defRPr sz="1800" kern="1200">
+                <a:solidFill>
+                  <a:schemeClr val="tx1"/>
+                </a:solidFill>
+                <a:latin typeface="+mn-lt"/>
+                <a:ea typeface="+mn-ea"/>
+                <a:cs typeface="+mn-cs"/>
+              </a:defRPr>
+            </a:lvl6pPr>
+            <a:lvl7pPr marL="2743200" algn="l" defTabSz="914400" rtl="0" eaLnBrk="1" latinLnBrk="1" hangingPunct="1">
+              <a:defRPr sz="1800" kern="1200">
+                <a:solidFill>
+                  <a:schemeClr val="tx1"/>
+                </a:solidFill>
+                <a:latin typeface="+mn-lt"/>
+                <a:ea typeface="+mn-ea"/>
+                <a:cs typeface="+mn-cs"/>
+              </a:defRPr>
+            </a:lvl7pPr>
+            <a:lvl8pPr marL="3200400" algn="l" defTabSz="914400" rtl="0" eaLnBrk="1" latinLnBrk="1" hangingPunct="1">
+              <a:defRPr sz="1800" kern="1200">
+                <a:solidFill>
+                  <a:schemeClr val="tx1"/>
+                </a:solidFill>
+                <a:latin typeface="+mn-lt"/>
+                <a:ea typeface="+mn-ea"/>
+                <a:cs typeface="+mn-cs"/>
+              </a:defRPr>
+            </a:lvl8pPr>
+            <a:lvl9pPr marL="3657600" algn="l" defTabSz="914400" rtl="0" eaLnBrk="1" latinLnBrk="1" hangingPunct="1">
+              <a:defRPr sz="1800" kern="1200">
+                <a:solidFill>
+                  <a:schemeClr val="tx1"/>
+                </a:solidFill>
+                <a:latin typeface="+mn-lt"/>
+                <a:ea typeface="+mn-ea"/>
+                <a:cs typeface="+mn-cs"/>
+              </a:defRPr>
+            </a:lvl9pPr>
+          </a:lstStyle>
+          <a:p>
+            <a:r>
+              <a:rPr lang="en-US" altLang="ko-KR" sz="1400" b="1" dirty="0">
+                <a:solidFill>
+                  <a:schemeClr val="bg1"/>
+                </a:solidFill>
+              </a:rPr>
+              <a:t>P513</a:t>
+            </a:r>
+          </a:p>
+        </p:txBody>
+      </p:sp>
     </p:spTree>
     <p:extLst>
       <p:ext uri="{BB962C8B-B14F-4D97-AF65-F5344CB8AC3E}">
@@ -7266,6 +8197,139 @@
           </a:fontRef>
         </p:style>
       </p:cxnSp>
+      <p:sp>
+        <p:nvSpPr>
+          <p:cNvPr id="12" name="TextBox 12">
+            <a:extLst>
+              <a:ext uri="{FF2B5EF4-FFF2-40B4-BE49-F238E27FC236}">
+                <a16:creationId xmlns:a16="http://schemas.microsoft.com/office/drawing/2014/main" id="{93418D85-9707-4719-865E-2E9DBE444228}"/>
+              </a:ext>
+            </a:extLst>
+          </p:cNvPr>
+          <p:cNvSpPr txBox="1"/>
+          <p:nvPr/>
+        </p:nvSpPr>
+        <p:spPr>
+          <a:xfrm>
+            <a:off x="10682853" y="410360"/>
+            <a:ext cx="607859" cy="307777"/>
+          </a:xfrm>
+          <a:prstGeom prst="rect">
+            <a:avLst/>
+          </a:prstGeom>
+          <a:noFill/>
+        </p:spPr>
+        <p:txBody>
+          <a:bodyPr wrap="none" rtlCol="0">
+            <a:spAutoFit/>
+          </a:bodyPr>
+          <a:lstStyle>
+            <a:defPPr>
+              <a:defRPr lang="ko-KR"/>
+            </a:defPPr>
+            <a:lvl1pPr marL="0" algn="l" defTabSz="914400" rtl="0" eaLnBrk="1" latinLnBrk="1" hangingPunct="1">
+              <a:defRPr sz="1800" kern="1200">
+                <a:solidFill>
+                  <a:schemeClr val="tx1"/>
+                </a:solidFill>
+                <a:latin typeface="+mn-lt"/>
+                <a:ea typeface="+mn-ea"/>
+                <a:cs typeface="+mn-cs"/>
+              </a:defRPr>
+            </a:lvl1pPr>
+            <a:lvl2pPr marL="457200" algn="l" defTabSz="914400" rtl="0" eaLnBrk="1" latinLnBrk="1" hangingPunct="1">
+              <a:defRPr sz="1800" kern="1200">
+                <a:solidFill>
+                  <a:schemeClr val="tx1"/>
+                </a:solidFill>
+                <a:latin typeface="+mn-lt"/>
+                <a:ea typeface="+mn-ea"/>
+                <a:cs typeface="+mn-cs"/>
+              </a:defRPr>
+            </a:lvl2pPr>
+            <a:lvl3pPr marL="914400" algn="l" defTabSz="914400" rtl="0" eaLnBrk="1" latinLnBrk="1" hangingPunct="1">
+              <a:defRPr sz="1800" kern="1200">
+                <a:solidFill>
+                  <a:schemeClr val="tx1"/>
+                </a:solidFill>
+                <a:latin typeface="+mn-lt"/>
+                <a:ea typeface="+mn-ea"/>
+                <a:cs typeface="+mn-cs"/>
+              </a:defRPr>
+            </a:lvl3pPr>
+            <a:lvl4pPr marL="1371600" algn="l" defTabSz="914400" rtl="0" eaLnBrk="1" latinLnBrk="1" hangingPunct="1">
+              <a:defRPr sz="1800" kern="1200">
+                <a:solidFill>
+                  <a:schemeClr val="tx1"/>
+                </a:solidFill>
+                <a:latin typeface="+mn-lt"/>
+                <a:ea typeface="+mn-ea"/>
+                <a:cs typeface="+mn-cs"/>
+              </a:defRPr>
+            </a:lvl4pPr>
+            <a:lvl5pPr marL="1828800" algn="l" defTabSz="914400" rtl="0" eaLnBrk="1" latinLnBrk="1" hangingPunct="1">
+              <a:defRPr sz="1800" kern="1200">
+                <a:solidFill>
+                  <a:schemeClr val="tx1"/>
+                </a:solidFill>
+                <a:latin typeface="+mn-lt"/>
+                <a:ea typeface="+mn-ea"/>
+                <a:cs typeface="+mn-cs"/>
+              </a:defRPr>
+            </a:lvl5pPr>
+            <a:lvl6pPr marL="2286000" algn="l" defTabSz="914400" rtl="0" eaLnBrk="1" latinLnBrk="1" hangingPunct="1">
+              <a:defRPr sz="1800" kern="1200">
+                <a:solidFill>
+                  <a:schemeClr val="tx1"/>
+                </a:solidFill>
+                <a:latin typeface="+mn-lt"/>
+                <a:ea typeface="+mn-ea"/>
+                <a:cs typeface="+mn-cs"/>
+              </a:defRPr>
+            </a:lvl6pPr>
+            <a:lvl7pPr marL="2743200" algn="l" defTabSz="914400" rtl="0" eaLnBrk="1" latinLnBrk="1" hangingPunct="1">
+              <a:defRPr sz="1800" kern="1200">
+                <a:solidFill>
+                  <a:schemeClr val="tx1"/>
+                </a:solidFill>
+                <a:latin typeface="+mn-lt"/>
+                <a:ea typeface="+mn-ea"/>
+                <a:cs typeface="+mn-cs"/>
+              </a:defRPr>
+            </a:lvl7pPr>
+            <a:lvl8pPr marL="3200400" algn="l" defTabSz="914400" rtl="0" eaLnBrk="1" latinLnBrk="1" hangingPunct="1">
+              <a:defRPr sz="1800" kern="1200">
+                <a:solidFill>
+                  <a:schemeClr val="tx1"/>
+                </a:solidFill>
+                <a:latin typeface="+mn-lt"/>
+                <a:ea typeface="+mn-ea"/>
+                <a:cs typeface="+mn-cs"/>
+              </a:defRPr>
+            </a:lvl8pPr>
+            <a:lvl9pPr marL="3657600" algn="l" defTabSz="914400" rtl="0" eaLnBrk="1" latinLnBrk="1" hangingPunct="1">
+              <a:defRPr sz="1800" kern="1200">
+                <a:solidFill>
+                  <a:schemeClr val="tx1"/>
+                </a:solidFill>
+                <a:latin typeface="+mn-lt"/>
+                <a:ea typeface="+mn-ea"/>
+                <a:cs typeface="+mn-cs"/>
+              </a:defRPr>
+            </a:lvl9pPr>
+          </a:lstStyle>
+          <a:p>
+            <a:r>
+              <a:rPr lang="en-US" altLang="ko-KR" sz="1400" b="1" dirty="0">
+                <a:solidFill>
+                  <a:schemeClr val="bg1"/>
+                </a:solidFill>
+              </a:rPr>
+              <a:t>P515</a:t>
+            </a:r>
+          </a:p>
+        </p:txBody>
+      </p:sp>
     </p:spTree>
     <p:extLst>
       <p:ext uri="{BB962C8B-B14F-4D97-AF65-F5344CB8AC3E}">
@@ -8011,6 +9075,139 @@
           </a:fontRef>
         </p:style>
       </p:cxnSp>
+      <p:sp>
+        <p:nvSpPr>
+          <p:cNvPr id="16" name="TextBox 12">
+            <a:extLst>
+              <a:ext uri="{FF2B5EF4-FFF2-40B4-BE49-F238E27FC236}">
+                <a16:creationId xmlns:a16="http://schemas.microsoft.com/office/drawing/2014/main" id="{7E4B6377-A4E6-4A5F-BE0E-7B265A217D8F}"/>
+              </a:ext>
+            </a:extLst>
+          </p:cNvPr>
+          <p:cNvSpPr txBox="1"/>
+          <p:nvPr/>
+        </p:nvSpPr>
+        <p:spPr>
+          <a:xfrm>
+            <a:off x="10682853" y="410360"/>
+            <a:ext cx="607859" cy="307777"/>
+          </a:xfrm>
+          <a:prstGeom prst="rect">
+            <a:avLst/>
+          </a:prstGeom>
+          <a:noFill/>
+        </p:spPr>
+        <p:txBody>
+          <a:bodyPr wrap="none" rtlCol="0">
+            <a:spAutoFit/>
+          </a:bodyPr>
+          <a:lstStyle>
+            <a:defPPr>
+              <a:defRPr lang="ko-KR"/>
+            </a:defPPr>
+            <a:lvl1pPr marL="0" algn="l" defTabSz="914400" rtl="0" eaLnBrk="1" latinLnBrk="1" hangingPunct="1">
+              <a:defRPr sz="1800" kern="1200">
+                <a:solidFill>
+                  <a:schemeClr val="tx1"/>
+                </a:solidFill>
+                <a:latin typeface="+mn-lt"/>
+                <a:ea typeface="+mn-ea"/>
+                <a:cs typeface="+mn-cs"/>
+              </a:defRPr>
+            </a:lvl1pPr>
+            <a:lvl2pPr marL="457200" algn="l" defTabSz="914400" rtl="0" eaLnBrk="1" latinLnBrk="1" hangingPunct="1">
+              <a:defRPr sz="1800" kern="1200">
+                <a:solidFill>
+                  <a:schemeClr val="tx1"/>
+                </a:solidFill>
+                <a:latin typeface="+mn-lt"/>
+                <a:ea typeface="+mn-ea"/>
+                <a:cs typeface="+mn-cs"/>
+              </a:defRPr>
+            </a:lvl2pPr>
+            <a:lvl3pPr marL="914400" algn="l" defTabSz="914400" rtl="0" eaLnBrk="1" latinLnBrk="1" hangingPunct="1">
+              <a:defRPr sz="1800" kern="1200">
+                <a:solidFill>
+                  <a:schemeClr val="tx1"/>
+                </a:solidFill>
+                <a:latin typeface="+mn-lt"/>
+                <a:ea typeface="+mn-ea"/>
+                <a:cs typeface="+mn-cs"/>
+              </a:defRPr>
+            </a:lvl3pPr>
+            <a:lvl4pPr marL="1371600" algn="l" defTabSz="914400" rtl="0" eaLnBrk="1" latinLnBrk="1" hangingPunct="1">
+              <a:defRPr sz="1800" kern="1200">
+                <a:solidFill>
+                  <a:schemeClr val="tx1"/>
+                </a:solidFill>
+                <a:latin typeface="+mn-lt"/>
+                <a:ea typeface="+mn-ea"/>
+                <a:cs typeface="+mn-cs"/>
+              </a:defRPr>
+            </a:lvl4pPr>
+            <a:lvl5pPr marL="1828800" algn="l" defTabSz="914400" rtl="0" eaLnBrk="1" latinLnBrk="1" hangingPunct="1">
+              <a:defRPr sz="1800" kern="1200">
+                <a:solidFill>
+                  <a:schemeClr val="tx1"/>
+                </a:solidFill>
+                <a:latin typeface="+mn-lt"/>
+                <a:ea typeface="+mn-ea"/>
+                <a:cs typeface="+mn-cs"/>
+              </a:defRPr>
+            </a:lvl5pPr>
+            <a:lvl6pPr marL="2286000" algn="l" defTabSz="914400" rtl="0" eaLnBrk="1" latinLnBrk="1" hangingPunct="1">
+              <a:defRPr sz="1800" kern="1200">
+                <a:solidFill>
+                  <a:schemeClr val="tx1"/>
+                </a:solidFill>
+                <a:latin typeface="+mn-lt"/>
+                <a:ea typeface="+mn-ea"/>
+                <a:cs typeface="+mn-cs"/>
+              </a:defRPr>
+            </a:lvl6pPr>
+            <a:lvl7pPr marL="2743200" algn="l" defTabSz="914400" rtl="0" eaLnBrk="1" latinLnBrk="1" hangingPunct="1">
+              <a:defRPr sz="1800" kern="1200">
+                <a:solidFill>
+                  <a:schemeClr val="tx1"/>
+                </a:solidFill>
+                <a:latin typeface="+mn-lt"/>
+                <a:ea typeface="+mn-ea"/>
+                <a:cs typeface="+mn-cs"/>
+              </a:defRPr>
+            </a:lvl7pPr>
+            <a:lvl8pPr marL="3200400" algn="l" defTabSz="914400" rtl="0" eaLnBrk="1" latinLnBrk="1" hangingPunct="1">
+              <a:defRPr sz="1800" kern="1200">
+                <a:solidFill>
+                  <a:schemeClr val="tx1"/>
+                </a:solidFill>
+                <a:latin typeface="+mn-lt"/>
+                <a:ea typeface="+mn-ea"/>
+                <a:cs typeface="+mn-cs"/>
+              </a:defRPr>
+            </a:lvl8pPr>
+            <a:lvl9pPr marL="3657600" algn="l" defTabSz="914400" rtl="0" eaLnBrk="1" latinLnBrk="1" hangingPunct="1">
+              <a:defRPr sz="1800" kern="1200">
+                <a:solidFill>
+                  <a:schemeClr val="tx1"/>
+                </a:solidFill>
+                <a:latin typeface="+mn-lt"/>
+                <a:ea typeface="+mn-ea"/>
+                <a:cs typeface="+mn-cs"/>
+              </a:defRPr>
+            </a:lvl9pPr>
+          </a:lstStyle>
+          <a:p>
+            <a:r>
+              <a:rPr lang="en-US" altLang="ko-KR" sz="1400" b="1" dirty="0">
+                <a:solidFill>
+                  <a:schemeClr val="bg1"/>
+                </a:solidFill>
+              </a:rPr>
+              <a:t>P517</a:t>
+            </a:r>
+          </a:p>
+        </p:txBody>
+      </p:sp>
     </p:spTree>
     <p:extLst>
       <p:ext uri="{BB962C8B-B14F-4D97-AF65-F5344CB8AC3E}">
@@ -8533,6 +9730,139 @@
           </a:prstGeom>
         </p:spPr>
       </p:pic>
+      <p:sp>
+        <p:nvSpPr>
+          <p:cNvPr id="17" name="TextBox 12">
+            <a:extLst>
+              <a:ext uri="{FF2B5EF4-FFF2-40B4-BE49-F238E27FC236}">
+                <a16:creationId xmlns:a16="http://schemas.microsoft.com/office/drawing/2014/main" id="{9F848095-ABB8-4215-ADDB-B06FC02AD1F4}"/>
+              </a:ext>
+            </a:extLst>
+          </p:cNvPr>
+          <p:cNvSpPr txBox="1"/>
+          <p:nvPr/>
+        </p:nvSpPr>
+        <p:spPr>
+          <a:xfrm>
+            <a:off x="10682853" y="410360"/>
+            <a:ext cx="607859" cy="307777"/>
+          </a:xfrm>
+          <a:prstGeom prst="rect">
+            <a:avLst/>
+          </a:prstGeom>
+          <a:noFill/>
+        </p:spPr>
+        <p:txBody>
+          <a:bodyPr wrap="none" rtlCol="0">
+            <a:spAutoFit/>
+          </a:bodyPr>
+          <a:lstStyle>
+            <a:defPPr>
+              <a:defRPr lang="ko-KR"/>
+            </a:defPPr>
+            <a:lvl1pPr marL="0" algn="l" defTabSz="914400" rtl="0" eaLnBrk="1" latinLnBrk="1" hangingPunct="1">
+              <a:defRPr sz="1800" kern="1200">
+                <a:solidFill>
+                  <a:schemeClr val="tx1"/>
+                </a:solidFill>
+                <a:latin typeface="+mn-lt"/>
+                <a:ea typeface="+mn-ea"/>
+                <a:cs typeface="+mn-cs"/>
+              </a:defRPr>
+            </a:lvl1pPr>
+            <a:lvl2pPr marL="457200" algn="l" defTabSz="914400" rtl="0" eaLnBrk="1" latinLnBrk="1" hangingPunct="1">
+              <a:defRPr sz="1800" kern="1200">
+                <a:solidFill>
+                  <a:schemeClr val="tx1"/>
+                </a:solidFill>
+                <a:latin typeface="+mn-lt"/>
+                <a:ea typeface="+mn-ea"/>
+                <a:cs typeface="+mn-cs"/>
+              </a:defRPr>
+            </a:lvl2pPr>
+            <a:lvl3pPr marL="914400" algn="l" defTabSz="914400" rtl="0" eaLnBrk="1" latinLnBrk="1" hangingPunct="1">
+              <a:defRPr sz="1800" kern="1200">
+                <a:solidFill>
+                  <a:schemeClr val="tx1"/>
+                </a:solidFill>
+                <a:latin typeface="+mn-lt"/>
+                <a:ea typeface="+mn-ea"/>
+                <a:cs typeface="+mn-cs"/>
+              </a:defRPr>
+            </a:lvl3pPr>
+            <a:lvl4pPr marL="1371600" algn="l" defTabSz="914400" rtl="0" eaLnBrk="1" latinLnBrk="1" hangingPunct="1">
+              <a:defRPr sz="1800" kern="1200">
+                <a:solidFill>
+                  <a:schemeClr val="tx1"/>
+                </a:solidFill>
+                <a:latin typeface="+mn-lt"/>
+                <a:ea typeface="+mn-ea"/>
+                <a:cs typeface="+mn-cs"/>
+              </a:defRPr>
+            </a:lvl4pPr>
+            <a:lvl5pPr marL="1828800" algn="l" defTabSz="914400" rtl="0" eaLnBrk="1" latinLnBrk="1" hangingPunct="1">
+              <a:defRPr sz="1800" kern="1200">
+                <a:solidFill>
+                  <a:schemeClr val="tx1"/>
+                </a:solidFill>
+                <a:latin typeface="+mn-lt"/>
+                <a:ea typeface="+mn-ea"/>
+                <a:cs typeface="+mn-cs"/>
+              </a:defRPr>
+            </a:lvl5pPr>
+            <a:lvl6pPr marL="2286000" algn="l" defTabSz="914400" rtl="0" eaLnBrk="1" latinLnBrk="1" hangingPunct="1">
+              <a:defRPr sz="1800" kern="1200">
+                <a:solidFill>
+                  <a:schemeClr val="tx1"/>
+                </a:solidFill>
+                <a:latin typeface="+mn-lt"/>
+                <a:ea typeface="+mn-ea"/>
+                <a:cs typeface="+mn-cs"/>
+              </a:defRPr>
+            </a:lvl6pPr>
+            <a:lvl7pPr marL="2743200" algn="l" defTabSz="914400" rtl="0" eaLnBrk="1" latinLnBrk="1" hangingPunct="1">
+              <a:defRPr sz="1800" kern="1200">
+                <a:solidFill>
+                  <a:schemeClr val="tx1"/>
+                </a:solidFill>
+                <a:latin typeface="+mn-lt"/>
+                <a:ea typeface="+mn-ea"/>
+                <a:cs typeface="+mn-cs"/>
+              </a:defRPr>
+            </a:lvl7pPr>
+            <a:lvl8pPr marL="3200400" algn="l" defTabSz="914400" rtl="0" eaLnBrk="1" latinLnBrk="1" hangingPunct="1">
+              <a:defRPr sz="1800" kern="1200">
+                <a:solidFill>
+                  <a:schemeClr val="tx1"/>
+                </a:solidFill>
+                <a:latin typeface="+mn-lt"/>
+                <a:ea typeface="+mn-ea"/>
+                <a:cs typeface="+mn-cs"/>
+              </a:defRPr>
+            </a:lvl8pPr>
+            <a:lvl9pPr marL="3657600" algn="l" defTabSz="914400" rtl="0" eaLnBrk="1" latinLnBrk="1" hangingPunct="1">
+              <a:defRPr sz="1800" kern="1200">
+                <a:solidFill>
+                  <a:schemeClr val="tx1"/>
+                </a:solidFill>
+                <a:latin typeface="+mn-lt"/>
+                <a:ea typeface="+mn-ea"/>
+                <a:cs typeface="+mn-cs"/>
+              </a:defRPr>
+            </a:lvl9pPr>
+          </a:lstStyle>
+          <a:p>
+            <a:r>
+              <a:rPr lang="en-US" altLang="ko-KR" sz="1400" b="1" dirty="0">
+                <a:solidFill>
+                  <a:schemeClr val="bg1"/>
+                </a:solidFill>
+              </a:rPr>
+              <a:t>P518</a:t>
+            </a:r>
+          </a:p>
+        </p:txBody>
+      </p:sp>
     </p:spTree>
     <p:extLst>
       <p:ext uri="{BB962C8B-B14F-4D97-AF65-F5344CB8AC3E}">
@@ -9231,6 +10561,139 @@
           </a:p>
         </p:txBody>
       </p:sp>
+      <p:sp>
+        <p:nvSpPr>
+          <p:cNvPr id="7" name="TextBox 12">
+            <a:extLst>
+              <a:ext uri="{FF2B5EF4-FFF2-40B4-BE49-F238E27FC236}">
+                <a16:creationId xmlns:a16="http://schemas.microsoft.com/office/drawing/2014/main" id="{E704FDC3-CDCC-499C-8DA3-9DB3B30B336B}"/>
+              </a:ext>
+            </a:extLst>
+          </p:cNvPr>
+          <p:cNvSpPr txBox="1"/>
+          <p:nvPr/>
+        </p:nvSpPr>
+        <p:spPr>
+          <a:xfrm>
+            <a:off x="10682853" y="410360"/>
+            <a:ext cx="607859" cy="307777"/>
+          </a:xfrm>
+          <a:prstGeom prst="rect">
+            <a:avLst/>
+          </a:prstGeom>
+          <a:noFill/>
+        </p:spPr>
+        <p:txBody>
+          <a:bodyPr wrap="none" rtlCol="0">
+            <a:spAutoFit/>
+          </a:bodyPr>
+          <a:lstStyle>
+            <a:defPPr>
+              <a:defRPr lang="ko-KR"/>
+            </a:defPPr>
+            <a:lvl1pPr marL="0" algn="l" defTabSz="914400" rtl="0" eaLnBrk="1" latinLnBrk="1" hangingPunct="1">
+              <a:defRPr sz="1800" kern="1200">
+                <a:solidFill>
+                  <a:schemeClr val="tx1"/>
+                </a:solidFill>
+                <a:latin typeface="+mn-lt"/>
+                <a:ea typeface="+mn-ea"/>
+                <a:cs typeface="+mn-cs"/>
+              </a:defRPr>
+            </a:lvl1pPr>
+            <a:lvl2pPr marL="457200" algn="l" defTabSz="914400" rtl="0" eaLnBrk="1" latinLnBrk="1" hangingPunct="1">
+              <a:defRPr sz="1800" kern="1200">
+                <a:solidFill>
+                  <a:schemeClr val="tx1"/>
+                </a:solidFill>
+                <a:latin typeface="+mn-lt"/>
+                <a:ea typeface="+mn-ea"/>
+                <a:cs typeface="+mn-cs"/>
+              </a:defRPr>
+            </a:lvl2pPr>
+            <a:lvl3pPr marL="914400" algn="l" defTabSz="914400" rtl="0" eaLnBrk="1" latinLnBrk="1" hangingPunct="1">
+              <a:defRPr sz="1800" kern="1200">
+                <a:solidFill>
+                  <a:schemeClr val="tx1"/>
+                </a:solidFill>
+                <a:latin typeface="+mn-lt"/>
+                <a:ea typeface="+mn-ea"/>
+                <a:cs typeface="+mn-cs"/>
+              </a:defRPr>
+            </a:lvl3pPr>
+            <a:lvl4pPr marL="1371600" algn="l" defTabSz="914400" rtl="0" eaLnBrk="1" latinLnBrk="1" hangingPunct="1">
+              <a:defRPr sz="1800" kern="1200">
+                <a:solidFill>
+                  <a:schemeClr val="tx1"/>
+                </a:solidFill>
+                <a:latin typeface="+mn-lt"/>
+                <a:ea typeface="+mn-ea"/>
+                <a:cs typeface="+mn-cs"/>
+              </a:defRPr>
+            </a:lvl4pPr>
+            <a:lvl5pPr marL="1828800" algn="l" defTabSz="914400" rtl="0" eaLnBrk="1" latinLnBrk="1" hangingPunct="1">
+              <a:defRPr sz="1800" kern="1200">
+                <a:solidFill>
+                  <a:schemeClr val="tx1"/>
+                </a:solidFill>
+                <a:latin typeface="+mn-lt"/>
+                <a:ea typeface="+mn-ea"/>
+                <a:cs typeface="+mn-cs"/>
+              </a:defRPr>
+            </a:lvl5pPr>
+            <a:lvl6pPr marL="2286000" algn="l" defTabSz="914400" rtl="0" eaLnBrk="1" latinLnBrk="1" hangingPunct="1">
+              <a:defRPr sz="1800" kern="1200">
+                <a:solidFill>
+                  <a:schemeClr val="tx1"/>
+                </a:solidFill>
+                <a:latin typeface="+mn-lt"/>
+                <a:ea typeface="+mn-ea"/>
+                <a:cs typeface="+mn-cs"/>
+              </a:defRPr>
+            </a:lvl6pPr>
+            <a:lvl7pPr marL="2743200" algn="l" defTabSz="914400" rtl="0" eaLnBrk="1" latinLnBrk="1" hangingPunct="1">
+              <a:defRPr sz="1800" kern="1200">
+                <a:solidFill>
+                  <a:schemeClr val="tx1"/>
+                </a:solidFill>
+                <a:latin typeface="+mn-lt"/>
+                <a:ea typeface="+mn-ea"/>
+                <a:cs typeface="+mn-cs"/>
+              </a:defRPr>
+            </a:lvl7pPr>
+            <a:lvl8pPr marL="3200400" algn="l" defTabSz="914400" rtl="0" eaLnBrk="1" latinLnBrk="1" hangingPunct="1">
+              <a:defRPr sz="1800" kern="1200">
+                <a:solidFill>
+                  <a:schemeClr val="tx1"/>
+                </a:solidFill>
+                <a:latin typeface="+mn-lt"/>
+                <a:ea typeface="+mn-ea"/>
+                <a:cs typeface="+mn-cs"/>
+              </a:defRPr>
+            </a:lvl8pPr>
+            <a:lvl9pPr marL="3657600" algn="l" defTabSz="914400" rtl="0" eaLnBrk="1" latinLnBrk="1" hangingPunct="1">
+              <a:defRPr sz="1800" kern="1200">
+                <a:solidFill>
+                  <a:schemeClr val="tx1"/>
+                </a:solidFill>
+                <a:latin typeface="+mn-lt"/>
+                <a:ea typeface="+mn-ea"/>
+                <a:cs typeface="+mn-cs"/>
+              </a:defRPr>
+            </a:lvl9pPr>
+          </a:lstStyle>
+          <a:p>
+            <a:r>
+              <a:rPr lang="en-US" altLang="ko-KR" sz="1400" b="1" dirty="0">
+                <a:solidFill>
+                  <a:schemeClr val="bg1"/>
+                </a:solidFill>
+              </a:rPr>
+              <a:t>P519</a:t>
+            </a:r>
+          </a:p>
+        </p:txBody>
+      </p:sp>
     </p:spTree>
     <p:extLst>
       <p:ext uri="{BB962C8B-B14F-4D97-AF65-F5344CB8AC3E}">
@@ -10010,6 +11473,139 @@
           </a:p>
         </p:txBody>
       </p:sp>
+      <p:sp>
+        <p:nvSpPr>
+          <p:cNvPr id="17" name="TextBox 12">
+            <a:extLst>
+              <a:ext uri="{FF2B5EF4-FFF2-40B4-BE49-F238E27FC236}">
+                <a16:creationId xmlns:a16="http://schemas.microsoft.com/office/drawing/2014/main" id="{0B41D135-0F15-4CC2-A096-D338C7525600}"/>
+              </a:ext>
+            </a:extLst>
+          </p:cNvPr>
+          <p:cNvSpPr txBox="1"/>
+          <p:nvPr/>
+        </p:nvSpPr>
+        <p:spPr>
+          <a:xfrm>
+            <a:off x="10682853" y="410360"/>
+            <a:ext cx="607859" cy="307777"/>
+          </a:xfrm>
+          <a:prstGeom prst="rect">
+            <a:avLst/>
+          </a:prstGeom>
+          <a:noFill/>
+        </p:spPr>
+        <p:txBody>
+          <a:bodyPr wrap="none" rtlCol="0">
+            <a:spAutoFit/>
+          </a:bodyPr>
+          <a:lstStyle>
+            <a:defPPr>
+              <a:defRPr lang="ko-KR"/>
+            </a:defPPr>
+            <a:lvl1pPr marL="0" algn="l" defTabSz="914400" rtl="0" eaLnBrk="1" latinLnBrk="1" hangingPunct="1">
+              <a:defRPr sz="1800" kern="1200">
+                <a:solidFill>
+                  <a:schemeClr val="tx1"/>
+                </a:solidFill>
+                <a:latin typeface="+mn-lt"/>
+                <a:ea typeface="+mn-ea"/>
+                <a:cs typeface="+mn-cs"/>
+              </a:defRPr>
+            </a:lvl1pPr>
+            <a:lvl2pPr marL="457200" algn="l" defTabSz="914400" rtl="0" eaLnBrk="1" latinLnBrk="1" hangingPunct="1">
+              <a:defRPr sz="1800" kern="1200">
+                <a:solidFill>
+                  <a:schemeClr val="tx1"/>
+                </a:solidFill>
+                <a:latin typeface="+mn-lt"/>
+                <a:ea typeface="+mn-ea"/>
+                <a:cs typeface="+mn-cs"/>
+              </a:defRPr>
+            </a:lvl2pPr>
+            <a:lvl3pPr marL="914400" algn="l" defTabSz="914400" rtl="0" eaLnBrk="1" latinLnBrk="1" hangingPunct="1">
+              <a:defRPr sz="1800" kern="1200">
+                <a:solidFill>
+                  <a:schemeClr val="tx1"/>
+                </a:solidFill>
+                <a:latin typeface="+mn-lt"/>
+                <a:ea typeface="+mn-ea"/>
+                <a:cs typeface="+mn-cs"/>
+              </a:defRPr>
+            </a:lvl3pPr>
+            <a:lvl4pPr marL="1371600" algn="l" defTabSz="914400" rtl="0" eaLnBrk="1" latinLnBrk="1" hangingPunct="1">
+              <a:defRPr sz="1800" kern="1200">
+                <a:solidFill>
+                  <a:schemeClr val="tx1"/>
+                </a:solidFill>
+                <a:latin typeface="+mn-lt"/>
+                <a:ea typeface="+mn-ea"/>
+                <a:cs typeface="+mn-cs"/>
+              </a:defRPr>
+            </a:lvl4pPr>
+            <a:lvl5pPr marL="1828800" algn="l" defTabSz="914400" rtl="0" eaLnBrk="1" latinLnBrk="1" hangingPunct="1">
+              <a:defRPr sz="1800" kern="1200">
+                <a:solidFill>
+                  <a:schemeClr val="tx1"/>
+                </a:solidFill>
+                <a:latin typeface="+mn-lt"/>
+                <a:ea typeface="+mn-ea"/>
+                <a:cs typeface="+mn-cs"/>
+              </a:defRPr>
+            </a:lvl5pPr>
+            <a:lvl6pPr marL="2286000" algn="l" defTabSz="914400" rtl="0" eaLnBrk="1" latinLnBrk="1" hangingPunct="1">
+              <a:defRPr sz="1800" kern="1200">
+                <a:solidFill>
+                  <a:schemeClr val="tx1"/>
+                </a:solidFill>
+                <a:latin typeface="+mn-lt"/>
+                <a:ea typeface="+mn-ea"/>
+                <a:cs typeface="+mn-cs"/>
+              </a:defRPr>
+            </a:lvl6pPr>
+            <a:lvl7pPr marL="2743200" algn="l" defTabSz="914400" rtl="0" eaLnBrk="1" latinLnBrk="1" hangingPunct="1">
+              <a:defRPr sz="1800" kern="1200">
+                <a:solidFill>
+                  <a:schemeClr val="tx1"/>
+                </a:solidFill>
+                <a:latin typeface="+mn-lt"/>
+                <a:ea typeface="+mn-ea"/>
+                <a:cs typeface="+mn-cs"/>
+              </a:defRPr>
+            </a:lvl7pPr>
+            <a:lvl8pPr marL="3200400" algn="l" defTabSz="914400" rtl="0" eaLnBrk="1" latinLnBrk="1" hangingPunct="1">
+              <a:defRPr sz="1800" kern="1200">
+                <a:solidFill>
+                  <a:schemeClr val="tx1"/>
+                </a:solidFill>
+                <a:latin typeface="+mn-lt"/>
+                <a:ea typeface="+mn-ea"/>
+                <a:cs typeface="+mn-cs"/>
+              </a:defRPr>
+            </a:lvl8pPr>
+            <a:lvl9pPr marL="3657600" algn="l" defTabSz="914400" rtl="0" eaLnBrk="1" latinLnBrk="1" hangingPunct="1">
+              <a:defRPr sz="1800" kern="1200">
+                <a:solidFill>
+                  <a:schemeClr val="tx1"/>
+                </a:solidFill>
+                <a:latin typeface="+mn-lt"/>
+                <a:ea typeface="+mn-ea"/>
+                <a:cs typeface="+mn-cs"/>
+              </a:defRPr>
+            </a:lvl9pPr>
+          </a:lstStyle>
+          <a:p>
+            <a:r>
+              <a:rPr lang="en-US" altLang="ko-KR" sz="1400" b="1" dirty="0">
+                <a:solidFill>
+                  <a:schemeClr val="bg1"/>
+                </a:solidFill>
+              </a:rPr>
+              <a:t>P521</a:t>
+            </a:r>
+          </a:p>
+        </p:txBody>
+      </p:sp>
     </p:spTree>
     <p:extLst>
       <p:ext uri="{BB962C8B-B14F-4D97-AF65-F5344CB8AC3E}">
@@ -10809,6 +12405,139 @@
           </a:prstGeom>
         </p:spPr>
       </p:pic>
+      <p:sp>
+        <p:nvSpPr>
+          <p:cNvPr id="13" name="TextBox 12">
+            <a:extLst>
+              <a:ext uri="{FF2B5EF4-FFF2-40B4-BE49-F238E27FC236}">
+                <a16:creationId xmlns:a16="http://schemas.microsoft.com/office/drawing/2014/main" id="{2C1AA063-B47F-4639-B1F5-A6A9DBFC2825}"/>
+              </a:ext>
+            </a:extLst>
+          </p:cNvPr>
+          <p:cNvSpPr txBox="1"/>
+          <p:nvPr/>
+        </p:nvSpPr>
+        <p:spPr>
+          <a:xfrm>
+            <a:off x="10682853" y="410360"/>
+            <a:ext cx="607859" cy="307777"/>
+          </a:xfrm>
+          <a:prstGeom prst="rect">
+            <a:avLst/>
+          </a:prstGeom>
+          <a:noFill/>
+        </p:spPr>
+        <p:txBody>
+          <a:bodyPr wrap="none" rtlCol="0">
+            <a:spAutoFit/>
+          </a:bodyPr>
+          <a:lstStyle>
+            <a:defPPr>
+              <a:defRPr lang="ko-KR"/>
+            </a:defPPr>
+            <a:lvl1pPr marL="0" algn="l" defTabSz="914400" rtl="0" eaLnBrk="1" latinLnBrk="1" hangingPunct="1">
+              <a:defRPr sz="1800" kern="1200">
+                <a:solidFill>
+                  <a:schemeClr val="tx1"/>
+                </a:solidFill>
+                <a:latin typeface="+mn-lt"/>
+                <a:ea typeface="+mn-ea"/>
+                <a:cs typeface="+mn-cs"/>
+              </a:defRPr>
+            </a:lvl1pPr>
+            <a:lvl2pPr marL="457200" algn="l" defTabSz="914400" rtl="0" eaLnBrk="1" latinLnBrk="1" hangingPunct="1">
+              <a:defRPr sz="1800" kern="1200">
+                <a:solidFill>
+                  <a:schemeClr val="tx1"/>
+                </a:solidFill>
+                <a:latin typeface="+mn-lt"/>
+                <a:ea typeface="+mn-ea"/>
+                <a:cs typeface="+mn-cs"/>
+              </a:defRPr>
+            </a:lvl2pPr>
+            <a:lvl3pPr marL="914400" algn="l" defTabSz="914400" rtl="0" eaLnBrk="1" latinLnBrk="1" hangingPunct="1">
+              <a:defRPr sz="1800" kern="1200">
+                <a:solidFill>
+                  <a:schemeClr val="tx1"/>
+                </a:solidFill>
+                <a:latin typeface="+mn-lt"/>
+                <a:ea typeface="+mn-ea"/>
+                <a:cs typeface="+mn-cs"/>
+              </a:defRPr>
+            </a:lvl3pPr>
+            <a:lvl4pPr marL="1371600" algn="l" defTabSz="914400" rtl="0" eaLnBrk="1" latinLnBrk="1" hangingPunct="1">
+              <a:defRPr sz="1800" kern="1200">
+                <a:solidFill>
+                  <a:schemeClr val="tx1"/>
+                </a:solidFill>
+                <a:latin typeface="+mn-lt"/>
+                <a:ea typeface="+mn-ea"/>
+                <a:cs typeface="+mn-cs"/>
+              </a:defRPr>
+            </a:lvl4pPr>
+            <a:lvl5pPr marL="1828800" algn="l" defTabSz="914400" rtl="0" eaLnBrk="1" latinLnBrk="1" hangingPunct="1">
+              <a:defRPr sz="1800" kern="1200">
+                <a:solidFill>
+                  <a:schemeClr val="tx1"/>
+                </a:solidFill>
+                <a:latin typeface="+mn-lt"/>
+                <a:ea typeface="+mn-ea"/>
+                <a:cs typeface="+mn-cs"/>
+              </a:defRPr>
+            </a:lvl5pPr>
+            <a:lvl6pPr marL="2286000" algn="l" defTabSz="914400" rtl="0" eaLnBrk="1" latinLnBrk="1" hangingPunct="1">
+              <a:defRPr sz="1800" kern="1200">
+                <a:solidFill>
+                  <a:schemeClr val="tx1"/>
+                </a:solidFill>
+                <a:latin typeface="+mn-lt"/>
+                <a:ea typeface="+mn-ea"/>
+                <a:cs typeface="+mn-cs"/>
+              </a:defRPr>
+            </a:lvl6pPr>
+            <a:lvl7pPr marL="2743200" algn="l" defTabSz="914400" rtl="0" eaLnBrk="1" latinLnBrk="1" hangingPunct="1">
+              <a:defRPr sz="1800" kern="1200">
+                <a:solidFill>
+                  <a:schemeClr val="tx1"/>
+                </a:solidFill>
+                <a:latin typeface="+mn-lt"/>
+                <a:ea typeface="+mn-ea"/>
+                <a:cs typeface="+mn-cs"/>
+              </a:defRPr>
+            </a:lvl7pPr>
+            <a:lvl8pPr marL="3200400" algn="l" defTabSz="914400" rtl="0" eaLnBrk="1" latinLnBrk="1" hangingPunct="1">
+              <a:defRPr sz="1800" kern="1200">
+                <a:solidFill>
+                  <a:schemeClr val="tx1"/>
+                </a:solidFill>
+                <a:latin typeface="+mn-lt"/>
+                <a:ea typeface="+mn-ea"/>
+                <a:cs typeface="+mn-cs"/>
+              </a:defRPr>
+            </a:lvl8pPr>
+            <a:lvl9pPr marL="3657600" algn="l" defTabSz="914400" rtl="0" eaLnBrk="1" latinLnBrk="1" hangingPunct="1">
+              <a:defRPr sz="1800" kern="1200">
+                <a:solidFill>
+                  <a:schemeClr val="tx1"/>
+                </a:solidFill>
+                <a:latin typeface="+mn-lt"/>
+                <a:ea typeface="+mn-ea"/>
+                <a:cs typeface="+mn-cs"/>
+              </a:defRPr>
+            </a:lvl9pPr>
+          </a:lstStyle>
+          <a:p>
+            <a:r>
+              <a:rPr lang="en-US" altLang="ko-KR" sz="1400" b="1" dirty="0">
+                <a:solidFill>
+                  <a:schemeClr val="bg1"/>
+                </a:solidFill>
+              </a:rPr>
+              <a:t>P522</a:t>
+            </a:r>
+          </a:p>
+        </p:txBody>
+      </p:sp>
     </p:spTree>
     <p:extLst>
       <p:ext uri="{BB962C8B-B14F-4D97-AF65-F5344CB8AC3E}">
